--- a/WebScraping.pptx
+++ b/WebScraping.pptx
@@ -114,13 +114,18 @@
       </a:defRPr>
     </a:lvl9pPr>
   </p:defaultTextStyle>
+  <p:extLst>
+    <p:ext uri="{EFAFB233-063F-42B5-8137-9DF3F51BA10A}">
+      <p15:sldGuideLst xmlns:p15="http://schemas.microsoft.com/office/powerpoint/2012/main"/>
+    </p:ext>
+  </p:extLst>
 </p:presentation>
 </file>
 
 <file path=ppt/revisionInfo.xml><?xml version="1.0" encoding="utf-8"?>
 <p1510:revInfo xmlns:a="http://schemas.openxmlformats.org/drawingml/2006/main" xmlns:r="http://schemas.openxmlformats.org/officeDocument/2006/relationships" xmlns:p1510="http://schemas.microsoft.com/office/powerpoint/2015/10/main">
   <p1510:revLst>
-    <p1510:client id="{7CAC6EB2-A5AD-4A0E-A7BD-FF45267E8579}" v="16" dt="2022-09-30T18:19:13.701"/>
+    <p1510:client id="{7CAC6EB2-A5AD-4A0E-A7BD-FF45267E8579}" v="17" dt="2022-10-03T15:08:28.219"/>
   </p1510:revLst>
 </p1510:revInfo>
 </file>
@@ -130,10 +135,25 @@
   <pc:docChgLst>
     <pc:chgData name="Noah Elbaum" userId="48e19cc7-6879-40cf-8e0e-1b0f17b549b8" providerId="ADAL" clId="{7CAC6EB2-A5AD-4A0E-A7BD-FF45267E8579}"/>
     <pc:docChg chg="undo custSel addSld delSld modSld">
-      <pc:chgData name="Noah Elbaum" userId="48e19cc7-6879-40cf-8e0e-1b0f17b549b8" providerId="ADAL" clId="{7CAC6EB2-A5AD-4A0E-A7BD-FF45267E8579}" dt="2022-10-02T15:06:00.145" v="3717" actId="20577"/>
+      <pc:chgData name="Noah Elbaum" userId="48e19cc7-6879-40cf-8e0e-1b0f17b549b8" providerId="ADAL" clId="{7CAC6EB2-A5AD-4A0E-A7BD-FF45267E8579}" dt="2022-10-03T15:09:18.895" v="3736" actId="1076"/>
       <pc:docMkLst>
         <pc:docMk/>
       </pc:docMkLst>
+      <pc:sldChg chg="addSp modSp mod">
+        <pc:chgData name="Noah Elbaum" userId="48e19cc7-6879-40cf-8e0e-1b0f17b549b8" providerId="ADAL" clId="{7CAC6EB2-A5AD-4A0E-A7BD-FF45267E8579}" dt="2022-10-03T15:09:18.895" v="3736" actId="1076"/>
+        <pc:sldMkLst>
+          <pc:docMk/>
+          <pc:sldMk cId="2358658907" sldId="258"/>
+        </pc:sldMkLst>
+        <pc:spChg chg="add mod">
+          <ac:chgData name="Noah Elbaum" userId="48e19cc7-6879-40cf-8e0e-1b0f17b549b8" providerId="ADAL" clId="{7CAC6EB2-A5AD-4A0E-A7BD-FF45267E8579}" dt="2022-10-03T15:09:18.895" v="3736" actId="1076"/>
+          <ac:spMkLst>
+            <pc:docMk/>
+            <pc:sldMk cId="2358658907" sldId="258"/>
+            <ac:spMk id="4" creationId="{39EA7135-35F1-69B7-476A-4250815A9C44}"/>
+          </ac:spMkLst>
+        </pc:spChg>
+      </pc:sldChg>
       <pc:sldChg chg="addSp delSp modSp mod">
         <pc:chgData name="Noah Elbaum" userId="48e19cc7-6879-40cf-8e0e-1b0f17b549b8" providerId="ADAL" clId="{7CAC6EB2-A5AD-4A0E-A7BD-FF45267E8579}" dt="2022-10-02T15:05:50.730" v="3711" actId="20577"/>
         <pc:sldMkLst>
@@ -956,7 +976,7 @@
           <a:p>
             <a:fld id="{8C1E1FAD-7351-4908-963A-08EA8E4AB7A0}" type="datetimeFigureOut">
               <a:rPr lang="en-US" smtClean="0"/>
-              <a:t>9/29/2022</a:t>
+              <a:t>10/3/2022</a:t>
             </a:fld>
             <a:endParaRPr lang="en-US"/>
           </a:p>
@@ -1154,7 +1174,7 @@
           <a:p>
             <a:fld id="{8C1E1FAD-7351-4908-963A-08EA8E4AB7A0}" type="datetimeFigureOut">
               <a:rPr lang="en-US" smtClean="0"/>
-              <a:t>9/29/2022</a:t>
+              <a:t>10/3/2022</a:t>
             </a:fld>
             <a:endParaRPr lang="en-US"/>
           </a:p>
@@ -1362,7 +1382,7 @@
           <a:p>
             <a:fld id="{8C1E1FAD-7351-4908-963A-08EA8E4AB7A0}" type="datetimeFigureOut">
               <a:rPr lang="en-US" smtClean="0"/>
-              <a:t>9/29/2022</a:t>
+              <a:t>10/3/2022</a:t>
             </a:fld>
             <a:endParaRPr lang="en-US"/>
           </a:p>
@@ -1560,7 +1580,7 @@
           <a:p>
             <a:fld id="{8C1E1FAD-7351-4908-963A-08EA8E4AB7A0}" type="datetimeFigureOut">
               <a:rPr lang="en-US" smtClean="0"/>
-              <a:t>9/29/2022</a:t>
+              <a:t>10/3/2022</a:t>
             </a:fld>
             <a:endParaRPr lang="en-US"/>
           </a:p>
@@ -1835,7 +1855,7 @@
           <a:p>
             <a:fld id="{8C1E1FAD-7351-4908-963A-08EA8E4AB7A0}" type="datetimeFigureOut">
               <a:rPr lang="en-US" smtClean="0"/>
-              <a:t>9/29/2022</a:t>
+              <a:t>10/3/2022</a:t>
             </a:fld>
             <a:endParaRPr lang="en-US"/>
           </a:p>
@@ -2100,7 +2120,7 @@
           <a:p>
             <a:fld id="{8C1E1FAD-7351-4908-963A-08EA8E4AB7A0}" type="datetimeFigureOut">
               <a:rPr lang="en-US" smtClean="0"/>
-              <a:t>9/29/2022</a:t>
+              <a:t>10/3/2022</a:t>
             </a:fld>
             <a:endParaRPr lang="en-US"/>
           </a:p>
@@ -2512,7 +2532,7 @@
           <a:p>
             <a:fld id="{8C1E1FAD-7351-4908-963A-08EA8E4AB7A0}" type="datetimeFigureOut">
               <a:rPr lang="en-US" smtClean="0"/>
-              <a:t>9/29/2022</a:t>
+              <a:t>10/3/2022</a:t>
             </a:fld>
             <a:endParaRPr lang="en-US"/>
           </a:p>
@@ -2653,7 +2673,7 @@
           <a:p>
             <a:fld id="{8C1E1FAD-7351-4908-963A-08EA8E4AB7A0}" type="datetimeFigureOut">
               <a:rPr lang="en-US" smtClean="0"/>
-              <a:t>9/29/2022</a:t>
+              <a:t>10/3/2022</a:t>
             </a:fld>
             <a:endParaRPr lang="en-US"/>
           </a:p>
@@ -2766,7 +2786,7 @@
           <a:p>
             <a:fld id="{8C1E1FAD-7351-4908-963A-08EA8E4AB7A0}" type="datetimeFigureOut">
               <a:rPr lang="en-US" smtClean="0"/>
-              <a:t>9/29/2022</a:t>
+              <a:t>10/3/2022</a:t>
             </a:fld>
             <a:endParaRPr lang="en-US"/>
           </a:p>
@@ -3077,7 +3097,7 @@
           <a:p>
             <a:fld id="{8C1E1FAD-7351-4908-963A-08EA8E4AB7A0}" type="datetimeFigureOut">
               <a:rPr lang="en-US" smtClean="0"/>
-              <a:t>9/29/2022</a:t>
+              <a:t>10/3/2022</a:t>
             </a:fld>
             <a:endParaRPr lang="en-US"/>
           </a:p>
@@ -3365,7 +3385,7 @@
           <a:p>
             <a:fld id="{8C1E1FAD-7351-4908-963A-08EA8E4AB7A0}" type="datetimeFigureOut">
               <a:rPr lang="en-US" smtClean="0"/>
-              <a:t>9/29/2022</a:t>
+              <a:t>10/3/2022</a:t>
             </a:fld>
             <a:endParaRPr lang="en-US"/>
           </a:p>
@@ -3607,7 +3627,7 @@
             <a:fld id="{8C1E1FAD-7351-4908-963A-08EA8E4AB7A0}" type="datetimeFigureOut">
               <a:rPr lang="en-US" smtClean="0"/>
               <a:pPr/>
-              <a:t>9/29/2022</a:t>
+              <a:t>10/3/2022</a:t>
             </a:fld>
             <a:endParaRPr lang="en-US" dirty="0"/>
           </a:p>
@@ -4080,6 +4100,45 @@
           </a:p>
         </p:txBody>
       </p:sp>
+      <p:sp>
+        <p:nvSpPr>
+          <p:cNvPr id="4" name="TextBox 3">
+            <a:extLst>
+              <a:ext uri="{FF2B5EF4-FFF2-40B4-BE49-F238E27FC236}">
+                <a16:creationId xmlns:a16="http://schemas.microsoft.com/office/drawing/2014/main" id="{39EA7135-35F1-69B7-476A-4250815A9C44}"/>
+              </a:ext>
+            </a:extLst>
+          </p:cNvPr>
+          <p:cNvSpPr txBox="1"/>
+          <p:nvPr/>
+        </p:nvSpPr>
+        <p:spPr>
+          <a:xfrm>
+            <a:off x="5811520" y="870506"/>
+            <a:ext cx="2865120" cy="861774"/>
+          </a:xfrm>
+          <a:prstGeom prst="rect">
+            <a:avLst/>
+          </a:prstGeom>
+          <a:noFill/>
+        </p:spPr>
+        <p:txBody>
+          <a:bodyPr wrap="square" rtlCol="0">
+            <a:spAutoFit/>
+          </a:bodyPr>
+          <a:lstStyle/>
+          <a:p>
+            <a:r>
+              <a:rPr lang="en-US" sz="5000" dirty="0">
+                <a:solidFill>
+                  <a:schemeClr val="bg1"/>
+                </a:solidFill>
+              </a:rPr>
+              <a:t>Pretty Fly</a:t>
+            </a:r>
+          </a:p>
+        </p:txBody>
+      </p:sp>
     </p:spTree>
     <p:extLst>
       <p:ext uri="{BB962C8B-B14F-4D97-AF65-F5344CB8AC3E}">
@@ -5335,13 +5394,8 @@
           <a:p>
             <a:r>
               <a:rPr lang="en-US" sz="1400" dirty="0"/>
-              <a:t>Randall Munroe </a:t>
-            </a:r>
-            <a:r>
-              <a:rPr lang="en-US" sz="1400"/>
-              <a:t>is normal</a:t>
-            </a:r>
-            <a:endParaRPr lang="en-US" sz="1400" dirty="0"/>
+              <a:t>Randall Munroe is normal</a:t>
+            </a:r>
           </a:p>
           <a:p>
             <a:r>
